--- a/5. Bootstrap/Bootstrap5.pptx
+++ b/5. Bootstrap/Bootstrap5.pptx
@@ -30,9 +30,9 @@
     <p:sldId id="281" r:id="rId24"/>
     <p:sldId id="282" r:id="rId25"/>
     <p:sldId id="283" r:id="rId26"/>
-    <p:sldId id="286" r:id="rId27"/>
-    <p:sldId id="284" r:id="rId28"/>
-    <p:sldId id="285" r:id="rId29"/>
+    <p:sldId id="284" r:id="rId27"/>
+    <p:sldId id="285" r:id="rId28"/>
+    <p:sldId id="286" r:id="rId29"/>
     <p:sldId id="288" r:id="rId30"/>
     <p:sldId id="289" r:id="rId31"/>
     <p:sldId id="290" r:id="rId32"/>
@@ -2560,7 +2560,7 @@
           <a:p>
             <a:fld id="{B6D41BCC-AD73-4203-A5A6-E62EB28B0FE6}" type="datetimeFigureOut">
               <a:rPr lang="en-US" smtClean="0"/>
-              <a:t>10/10/2023</a:t>
+              <a:t>10/20/2023</a:t>
             </a:fld>
             <a:endParaRPr lang="en-US"/>
           </a:p>
@@ -2768,7 +2768,7 @@
           <a:p>
             <a:fld id="{B6D41BCC-AD73-4203-A5A6-E62EB28B0FE6}" type="datetimeFigureOut">
               <a:rPr lang="en-US" smtClean="0"/>
-              <a:t>10/10/2023</a:t>
+              <a:t>10/20/2023</a:t>
             </a:fld>
             <a:endParaRPr lang="en-US"/>
           </a:p>
@@ -2976,7 +2976,7 @@
           <a:p>
             <a:fld id="{B6D41BCC-AD73-4203-A5A6-E62EB28B0FE6}" type="datetimeFigureOut">
               <a:rPr lang="en-US" smtClean="0"/>
-              <a:t>10/10/2023</a:t>
+              <a:t>10/20/2023</a:t>
             </a:fld>
             <a:endParaRPr lang="en-US"/>
           </a:p>
@@ -3174,7 +3174,7 @@
           <a:p>
             <a:fld id="{B6D41BCC-AD73-4203-A5A6-E62EB28B0FE6}" type="datetimeFigureOut">
               <a:rPr lang="en-US" smtClean="0"/>
-              <a:t>10/10/2023</a:t>
+              <a:t>10/20/2023</a:t>
             </a:fld>
             <a:endParaRPr lang="en-US"/>
           </a:p>
@@ -3545,7 +3545,7 @@
           <a:p>
             <a:fld id="{B6D41BCC-AD73-4203-A5A6-E62EB28B0FE6}" type="datetimeFigureOut">
               <a:rPr lang="en-US" smtClean="0"/>
-              <a:t>10/10/2023</a:t>
+              <a:t>10/20/2023</a:t>
             </a:fld>
             <a:endParaRPr lang="en-US"/>
           </a:p>
@@ -3815,7 +3815,7 @@
           <a:p>
             <a:fld id="{B6D41BCC-AD73-4203-A5A6-E62EB28B0FE6}" type="datetimeFigureOut">
               <a:rPr lang="en-US" smtClean="0"/>
-              <a:t>10/10/2023</a:t>
+              <a:t>10/20/2023</a:t>
             </a:fld>
             <a:endParaRPr lang="en-US"/>
           </a:p>
@@ -4231,7 +4231,7 @@
           <a:p>
             <a:fld id="{B6D41BCC-AD73-4203-A5A6-E62EB28B0FE6}" type="datetimeFigureOut">
               <a:rPr lang="en-US" smtClean="0"/>
-              <a:t>10/10/2023</a:t>
+              <a:t>10/20/2023</a:t>
             </a:fld>
             <a:endParaRPr lang="en-US"/>
           </a:p>
@@ -4372,7 +4372,7 @@
           <a:p>
             <a:fld id="{B6D41BCC-AD73-4203-A5A6-E62EB28B0FE6}" type="datetimeFigureOut">
               <a:rPr lang="en-US" smtClean="0"/>
-              <a:t>10/10/2023</a:t>
+              <a:t>10/20/2023</a:t>
             </a:fld>
             <a:endParaRPr lang="en-US"/>
           </a:p>
@@ -4485,7 +4485,7 @@
           <a:p>
             <a:fld id="{B6D41BCC-AD73-4203-A5A6-E62EB28B0FE6}" type="datetimeFigureOut">
               <a:rPr lang="en-US" smtClean="0"/>
-              <a:t>10/10/2023</a:t>
+              <a:t>10/20/2023</a:t>
             </a:fld>
             <a:endParaRPr lang="en-US"/>
           </a:p>
@@ -4811,7 +4811,7 @@
           <a:p>
             <a:fld id="{B6D41BCC-AD73-4203-A5A6-E62EB28B0FE6}" type="datetimeFigureOut">
               <a:rPr lang="en-US" smtClean="0"/>
-              <a:t>10/10/2023</a:t>
+              <a:t>10/20/2023</a:t>
             </a:fld>
             <a:endParaRPr lang="en-US"/>
           </a:p>
@@ -5099,7 +5099,7 @@
           <a:p>
             <a:fld id="{B6D41BCC-AD73-4203-A5A6-E62EB28B0FE6}" type="datetimeFigureOut">
               <a:rPr lang="en-US" smtClean="0"/>
-              <a:t>10/10/2023</a:t>
+              <a:t>10/20/2023</a:t>
             </a:fld>
             <a:endParaRPr lang="en-US"/>
           </a:p>
@@ -5339,7 +5339,7 @@
             <a:fld id="{B6D41BCC-AD73-4203-A5A6-E62EB28B0FE6}" type="datetimeFigureOut">
               <a:rPr lang="en-US" smtClean="0"/>
               <a:pPr/>
-              <a:t>10/10/2023</a:t>
+              <a:t>10/20/2023</a:t>
             </a:fld>
             <a:endParaRPr lang="en-US"/>
           </a:p>
@@ -9359,51 +9359,6 @@
           </a:prstGeom>
         </p:spPr>
       </p:pic>
-      <p:sp>
-        <p:nvSpPr>
-          <p:cNvPr id="13" name="Textfeld 12">
-            <a:extLst>
-              <a:ext uri="{FF2B5EF4-FFF2-40B4-BE49-F238E27FC236}">
-                <a16:creationId xmlns:a16="http://schemas.microsoft.com/office/drawing/2014/main" id="{2DA6CCB3-F3F5-E2D2-9998-95B8682A05AE}"/>
-              </a:ext>
-            </a:extLst>
-          </p:cNvPr>
-          <p:cNvSpPr txBox="1"/>
-          <p:nvPr/>
-        </p:nvSpPr>
-        <p:spPr>
-          <a:xfrm>
-            <a:off x="871827" y="6335239"/>
-            <a:ext cx="9767597" cy="276999"/>
-          </a:xfrm>
-          <a:prstGeom prst="rect">
-            <a:avLst/>
-          </a:prstGeom>
-          <a:noFill/>
-        </p:spPr>
-        <p:txBody>
-          <a:bodyPr wrap="square" rtlCol="0">
-            <a:spAutoFit/>
-          </a:bodyPr>
-          <a:lstStyle/>
-          <a:p>
-            <a:r>
-              <a:rPr lang="de-AT" sz="1200" dirty="0"/>
-              <a:t>Beispiel: Grundstruktur Registrierung </a:t>
-            </a:r>
-            <a:r>
-              <a:rPr lang="de-AT" sz="1200" dirty="0">
-                <a:hlinkClick r:id="rId6"/>
-              </a:rPr>
-              <a:t>https://8jp4d2.csb.app/layout.html</a:t>
-            </a:r>
-            <a:r>
-              <a:rPr lang="de-AT" sz="1200" dirty="0"/>
-              <a:t>  </a:t>
-            </a:r>
-          </a:p>
-        </p:txBody>
-      </p:sp>
     </p:spTree>
     <p:extLst>
       <p:ext uri="{BB962C8B-B14F-4D97-AF65-F5344CB8AC3E}">
@@ -15899,266 +15854,6 @@
 <file path=ppt/slides/slide26.xml><?xml version="1.0" encoding="utf-8"?>
 <p:sld xmlns:a="http://schemas.openxmlformats.org/drawingml/2006/main" xmlns:r="http://schemas.openxmlformats.org/officeDocument/2006/relationships" xmlns:p="http://schemas.openxmlformats.org/presentationml/2006/main">
   <p:cSld>
-    <p:spTree>
-      <p:nvGrpSpPr>
-        <p:cNvPr id="1" name=""/>
-        <p:cNvGrpSpPr/>
-        <p:nvPr/>
-      </p:nvGrpSpPr>
-      <p:grpSpPr>
-        <a:xfrm>
-          <a:off x="0" y="0"/>
-          <a:ext cx="0" cy="0"/>
-          <a:chOff x="0" y="0"/>
-          <a:chExt cx="0" cy="0"/>
-        </a:xfrm>
-      </p:grpSpPr>
-      <p:sp>
-        <p:nvSpPr>
-          <p:cNvPr id="2" name="Titel 1">
-            <a:extLst>
-              <a:ext uri="{FF2B5EF4-FFF2-40B4-BE49-F238E27FC236}">
-                <a16:creationId xmlns:a16="http://schemas.microsoft.com/office/drawing/2014/main" id="{B4ABB032-A2AF-BF78-993C-085D78DFBC1B}"/>
-              </a:ext>
-            </a:extLst>
-          </p:cNvPr>
-          <p:cNvSpPr>
-            <a:spLocks noGrp="1"/>
-          </p:cNvSpPr>
-          <p:nvPr>
-            <p:ph type="title"/>
-          </p:nvPr>
-        </p:nvSpPr>
-        <p:spPr>
-          <a:xfrm>
-            <a:off x="938503" y="230073"/>
-            <a:ext cx="8915402" cy="1371600"/>
-          </a:xfrm>
-        </p:spPr>
-        <p:txBody>
-          <a:bodyPr/>
-          <a:lstStyle/>
-          <a:p>
-            <a:r>
-              <a:rPr lang="de-AT" dirty="0"/>
-              <a:t>Übung zu Content &amp; Formular (20 min)</a:t>
-            </a:r>
-          </a:p>
-        </p:txBody>
-      </p:sp>
-      <p:sp>
-        <p:nvSpPr>
-          <p:cNvPr id="3" name="Inhaltsplatzhalter 2">
-            <a:extLst>
-              <a:ext uri="{FF2B5EF4-FFF2-40B4-BE49-F238E27FC236}">
-                <a16:creationId xmlns:a16="http://schemas.microsoft.com/office/drawing/2014/main" id="{E235725B-DAAC-F513-664A-299CBE2ABB80}"/>
-              </a:ext>
-            </a:extLst>
-          </p:cNvPr>
-          <p:cNvSpPr>
-            <a:spLocks noGrp="1"/>
-          </p:cNvSpPr>
-          <p:nvPr>
-            <p:ph idx="1"/>
-          </p:nvPr>
-        </p:nvSpPr>
-        <p:spPr>
-          <a:xfrm>
-            <a:off x="774553" y="1461080"/>
-            <a:ext cx="6207272" cy="4137259"/>
-          </a:xfrm>
-        </p:spPr>
-        <p:txBody>
-          <a:bodyPr>
-            <a:normAutofit/>
-          </a:bodyPr>
-          <a:lstStyle/>
-          <a:p>
-            <a:pPr algn="l">
-              <a:buFont typeface="Arial" panose="020B0604020202020204" pitchFamily="34" charset="0"/>
-              <a:buChar char="•"/>
-            </a:pPr>
-            <a:r>
-              <a:rPr lang="de-AT" sz="1600" dirty="0">
-                <a:solidFill>
-                  <a:srgbClr val="374151"/>
-                </a:solidFill>
-                <a:latin typeface="Montserrat" panose="00000500000000000000" pitchFamily="2" charset="0"/>
-              </a:rPr>
-              <a:t>Befülle dein zuvor entworfenes Layout mit Bildern und Formularfeldern </a:t>
-            </a:r>
-          </a:p>
-          <a:p>
-            <a:pPr algn="l">
-              <a:buFont typeface="Arial" panose="020B0604020202020204" pitchFamily="34" charset="0"/>
-              <a:buChar char="•"/>
-            </a:pPr>
-            <a:r>
-              <a:rPr lang="de-AT" sz="1600" dirty="0">
-                <a:solidFill>
-                  <a:srgbClr val="374151"/>
-                </a:solidFill>
-                <a:latin typeface="Montserrat" panose="00000500000000000000" pitchFamily="2" charset="0"/>
-              </a:rPr>
-              <a:t>Tipp: Fokus liegt darauf verschiedene Bootstrap Klassen anzuwenden und nicht auf perfekte Sinnhaftigkeit der Felder (Beispiel: Select – Lieblingspizza)</a:t>
-            </a:r>
-          </a:p>
-          <a:p>
-            <a:pPr algn="l">
-              <a:buFont typeface="Arial" panose="020B0604020202020204" pitchFamily="34" charset="0"/>
-              <a:buChar char="•"/>
-            </a:pPr>
-            <a:endParaRPr lang="de-AT" sz="1600" dirty="0">
-              <a:solidFill>
-                <a:srgbClr val="374151"/>
-              </a:solidFill>
-              <a:latin typeface="Montserrat" panose="00000500000000000000" pitchFamily="2" charset="0"/>
-            </a:endParaRPr>
-          </a:p>
-          <a:p>
-            <a:pPr algn="l">
-              <a:buFont typeface="Arial" panose="020B0604020202020204" pitchFamily="34" charset="0"/>
-              <a:buChar char="•"/>
-            </a:pPr>
-            <a:endParaRPr lang="de-AT" sz="1600" b="0" i="0" dirty="0">
-              <a:solidFill>
-                <a:srgbClr val="374151"/>
-              </a:solidFill>
-              <a:effectLst/>
-              <a:latin typeface="Montserrat" panose="00000500000000000000" pitchFamily="2" charset="0"/>
-            </a:endParaRPr>
-          </a:p>
-          <a:p>
-            <a:pPr marL="0" indent="0" algn="l">
-              <a:buNone/>
-            </a:pPr>
-            <a:endParaRPr lang="de-AT" sz="1600" dirty="0">
-              <a:latin typeface="Montserrat" panose="00000500000000000000" pitchFamily="2" charset="0"/>
-            </a:endParaRPr>
-          </a:p>
-        </p:txBody>
-      </p:sp>
-      <p:pic>
-        <p:nvPicPr>
-          <p:cNvPr id="4" name="Grafik 3">
-            <a:extLst>
-              <a:ext uri="{FF2B5EF4-FFF2-40B4-BE49-F238E27FC236}">
-                <a16:creationId xmlns:a16="http://schemas.microsoft.com/office/drawing/2014/main" id="{54F8E91A-0332-C1E8-FD5E-4ACA2F6FE572}"/>
-              </a:ext>
-            </a:extLst>
-          </p:cNvPr>
-          <p:cNvPicPr>
-            <a:picLocks noChangeAspect="1"/>
-          </p:cNvPicPr>
-          <p:nvPr/>
-        </p:nvPicPr>
-        <p:blipFill>
-          <a:blip r:embed="rId2"/>
-          <a:stretch>
-            <a:fillRect/>
-          </a:stretch>
-        </p:blipFill>
-        <p:spPr>
-          <a:xfrm>
-            <a:off x="8786504" y="1514474"/>
-            <a:ext cx="2040625" cy="1807513"/>
-          </a:xfrm>
-          <a:prstGeom prst="rect">
-            <a:avLst/>
-          </a:prstGeom>
-        </p:spPr>
-      </p:pic>
-      <p:pic>
-        <p:nvPicPr>
-          <p:cNvPr id="6" name="Grafik 5" descr="Eine Glühlampe">
-            <a:extLst>
-              <a:ext uri="{FF2B5EF4-FFF2-40B4-BE49-F238E27FC236}">
-                <a16:creationId xmlns:a16="http://schemas.microsoft.com/office/drawing/2014/main" id="{82344569-B0D7-FD79-27C9-BC2095D9758C}"/>
-              </a:ext>
-            </a:extLst>
-          </p:cNvPr>
-          <p:cNvPicPr>
-            <a:picLocks noChangeAspect="1"/>
-          </p:cNvPicPr>
-          <p:nvPr/>
-        </p:nvPicPr>
-        <p:blipFill>
-          <a:blip r:embed="rId3" cstate="hqprint">
-            <a:extLst>
-              <a:ext uri="{28A0092B-C50C-407E-A947-70E740481C1C}">
-                <a14:useLocalDpi xmlns:a14="http://schemas.microsoft.com/office/drawing/2010/main" val="0"/>
-              </a:ext>
-              <a:ext uri="{96DAC541-7B7A-43D3-8B79-37D633B846F1}">
-                <asvg:svgBlip xmlns="" xmlns:asvg="http://schemas.microsoft.com/office/drawing/2016/SVG/main" r:embed="rId4"/>
-              </a:ext>
-            </a:extLst>
-          </a:blip>
-          <a:stretch>
-            <a:fillRect/>
-          </a:stretch>
-        </p:blipFill>
-        <p:spPr>
-          <a:xfrm>
-            <a:off x="8566557" y="3212717"/>
-            <a:ext cx="3220019" cy="3220019"/>
-          </a:xfrm>
-          <a:prstGeom prst="rect">
-            <a:avLst/>
-          </a:prstGeom>
-        </p:spPr>
-      </p:pic>
-      <p:pic>
-        <p:nvPicPr>
-          <p:cNvPr id="7" name="Grafik 6">
-            <a:extLst>
-              <a:ext uri="{FF2B5EF4-FFF2-40B4-BE49-F238E27FC236}">
-                <a16:creationId xmlns:a16="http://schemas.microsoft.com/office/drawing/2014/main" id="{556727AC-A418-7E26-5EF2-A7247465E038}"/>
-              </a:ext>
-            </a:extLst>
-          </p:cNvPr>
-          <p:cNvPicPr>
-            <a:picLocks noChangeAspect="1"/>
-          </p:cNvPicPr>
-          <p:nvPr/>
-        </p:nvPicPr>
-        <p:blipFill rotWithShape="1">
-          <a:blip r:embed="rId5"/>
-          <a:srcRect b="27832"/>
-          <a:stretch/>
-        </p:blipFill>
-        <p:spPr>
-          <a:xfrm>
-            <a:off x="938503" y="3645380"/>
-            <a:ext cx="6613321" cy="1702399"/>
-          </a:xfrm>
-          <a:prstGeom prst="rect">
-            <a:avLst/>
-          </a:prstGeom>
-        </p:spPr>
-      </p:pic>
-    </p:spTree>
-    <p:extLst>
-      <p:ext uri="{BB962C8B-B14F-4D97-AF65-F5344CB8AC3E}">
-        <p14:creationId xmlns:p14="http://schemas.microsoft.com/office/powerpoint/2010/main" val="488017342"/>
-      </p:ext>
-    </p:extLst>
-  </p:cSld>
-  <p:clrMapOvr>
-    <a:masterClrMapping/>
-  </p:clrMapOvr>
-  <p:timing>
-    <p:tnLst>
-      <p:par>
-        <p:cTn id="1" dur="indefinite" restart="never" nodeType="tmRoot"/>
-      </p:par>
-    </p:tnLst>
-  </p:timing>
-</p:sld>
-</file>
-
-<file path=ppt/slides/slide27.xml><?xml version="1.0" encoding="utf-8"?>
-<p:sld xmlns:a="http://schemas.openxmlformats.org/drawingml/2006/main" xmlns:r="http://schemas.openxmlformats.org/officeDocument/2006/relationships" xmlns:p="http://schemas.openxmlformats.org/presentationml/2006/main">
-  <p:cSld>
     <p:bg>
       <p:bgPr>
         <a:solidFill>
@@ -16669,7 +16364,7 @@
 </p:sld>
 </file>
 
-<file path=ppt/slides/slide28.xml><?xml version="1.0" encoding="utf-8"?>
+<file path=ppt/slides/slide27.xml><?xml version="1.0" encoding="utf-8"?>
 <p:sld xmlns:a="http://schemas.openxmlformats.org/drawingml/2006/main" xmlns:r="http://schemas.openxmlformats.org/officeDocument/2006/relationships" xmlns:p="http://schemas.openxmlformats.org/presentationml/2006/main">
   <p:cSld>
     <p:spTree>
@@ -17126,7 +16821,7 @@
 </p:sld>
 </file>
 
-<file path=ppt/slides/slide29.xml><?xml version="1.0" encoding="utf-8"?>
+<file path=ppt/slides/slide28.xml><?xml version="1.0" encoding="utf-8"?>
 <p:sld xmlns:a="http://schemas.openxmlformats.org/drawingml/2006/main" xmlns:r="http://schemas.openxmlformats.org/officeDocument/2006/relationships" xmlns:p="http://schemas.openxmlformats.org/presentationml/2006/main">
   <p:cSld>
     <p:spTree>
@@ -17161,8 +16856,8 @@
         </p:nvSpPr>
         <p:spPr>
           <a:xfrm>
-            <a:off x="938502" y="230073"/>
-            <a:ext cx="9631625" cy="1371600"/>
+            <a:off x="938503" y="230073"/>
+            <a:ext cx="8915402" cy="1371600"/>
           </a:xfrm>
         </p:spPr>
         <p:txBody>
@@ -17171,7 +16866,7 @@
           <a:p>
             <a:r>
               <a:rPr lang="de-AT" dirty="0"/>
-              <a:t>Übung zu Allgemeine Komponenten (20 min)</a:t>
+              <a:t>Übung zu Content &amp; Formular (20 min)</a:t>
             </a:r>
           </a:p>
         </p:txBody>
@@ -17215,7 +16910,7 @@
                 </a:solidFill>
                 <a:latin typeface="Montserrat" panose="00000500000000000000" pitchFamily="2" charset="0"/>
               </a:rPr>
-              <a:t>Verwende zusätzliche Bootstrap Komponenten, um das Formular noch zu erweitern</a:t>
+              <a:t>Befülle dein zuvor entworfenes Layout mit Bildern und Formularfeldern </a:t>
             </a:r>
           </a:p>
           <a:p>
@@ -17230,68 +16925,20 @@
                 </a:solidFill>
                 <a:latin typeface="Montserrat" panose="00000500000000000000" pitchFamily="2" charset="0"/>
               </a:rPr>
-              <a:t>Optional:</a:t>
-            </a:r>
-          </a:p>
-          <a:p>
-            <a:pPr lvl="2"/>
-            <a:r>
-              <a:rPr lang="de-AT" dirty="0">
-                <a:solidFill>
-                  <a:srgbClr val="374151"/>
-                </a:solidFill>
-                <a:latin typeface="Montserrat" panose="00000500000000000000" pitchFamily="2" charset="0"/>
-              </a:rPr>
-              <a:t>Speichern mit Validierung der Felder</a:t>
-            </a:r>
-          </a:p>
-          <a:p>
-            <a:pPr lvl="2"/>
-            <a:r>
-              <a:rPr lang="de-AT" dirty="0">
-                <a:solidFill>
-                  <a:srgbClr val="374151"/>
-                </a:solidFill>
-                <a:latin typeface="Montserrat" panose="00000500000000000000" pitchFamily="2" charset="0"/>
-              </a:rPr>
-              <a:t>Zurück-Button mit Funktion (</a:t>
-            </a:r>
-            <a:r>
-              <a:rPr lang="de-AT" dirty="0" err="1">
-                <a:solidFill>
-                  <a:srgbClr val="374151"/>
-                </a:solidFill>
-                <a:latin typeface="Montserrat" panose="00000500000000000000" pitchFamily="2" charset="0"/>
-              </a:rPr>
-              <a:t>Bsp</a:t>
-            </a:r>
-            <a:r>
-              <a:rPr lang="de-AT" dirty="0">
-                <a:solidFill>
-                  <a:srgbClr val="374151"/>
-                </a:solidFill>
-                <a:latin typeface="Montserrat" panose="00000500000000000000" pitchFamily="2" charset="0"/>
-              </a:rPr>
-              <a:t>: Einblenden eines </a:t>
-            </a:r>
-            <a:r>
-              <a:rPr lang="de-AT" dirty="0" err="1">
-                <a:solidFill>
-                  <a:srgbClr val="374151"/>
-                </a:solidFill>
-                <a:latin typeface="Montserrat" panose="00000500000000000000" pitchFamily="2" charset="0"/>
-              </a:rPr>
-              <a:t>Modals</a:t>
-            </a:r>
-            <a:r>
-              <a:rPr lang="de-AT" dirty="0">
-                <a:solidFill>
-                  <a:srgbClr val="374151"/>
-                </a:solidFill>
-                <a:latin typeface="Montserrat" panose="00000500000000000000" pitchFamily="2" charset="0"/>
-              </a:rPr>
-              <a:t>, eines Alerts, eines Toasters,….)</a:t>
-            </a:r>
+              <a:t>Tipp: Fokus liegt darauf verschiedene Bootstrap Klassen anzuwenden und nicht auf perfekte Sinnhaftigkeit der Felder (Beispiel: Select – Lieblingspizza)</a:t>
+            </a:r>
+          </a:p>
+          <a:p>
+            <a:pPr algn="l">
+              <a:buFont typeface="Arial" panose="020B0604020202020204" pitchFamily="34" charset="0"/>
+              <a:buChar char="•"/>
+            </a:pPr>
+            <a:endParaRPr lang="de-AT" sz="1600" dirty="0">
+              <a:solidFill>
+                <a:srgbClr val="374151"/>
+              </a:solidFill>
+              <a:latin typeface="Montserrat" panose="00000500000000000000" pitchFamily="2" charset="0"/>
+            </a:endParaRPr>
           </a:p>
           <a:p>
             <a:pPr algn="l">
@@ -17377,6 +17024,363 @@
         </p:blipFill>
         <p:spPr>
           <a:xfrm>
+            <a:off x="8566557" y="3212717"/>
+            <a:ext cx="3220019" cy="3220019"/>
+          </a:xfrm>
+          <a:prstGeom prst="rect">
+            <a:avLst/>
+          </a:prstGeom>
+        </p:spPr>
+      </p:pic>
+      <p:pic>
+        <p:nvPicPr>
+          <p:cNvPr id="7" name="Grafik 6">
+            <a:extLst>
+              <a:ext uri="{FF2B5EF4-FFF2-40B4-BE49-F238E27FC236}">
+                <a16:creationId xmlns:a16="http://schemas.microsoft.com/office/drawing/2014/main" id="{556727AC-A418-7E26-5EF2-A7247465E038}"/>
+              </a:ext>
+            </a:extLst>
+          </p:cNvPr>
+          <p:cNvPicPr>
+            <a:picLocks noChangeAspect="1"/>
+          </p:cNvPicPr>
+          <p:nvPr/>
+        </p:nvPicPr>
+        <p:blipFill rotWithShape="1">
+          <a:blip r:embed="rId5"/>
+          <a:srcRect b="27832"/>
+          <a:stretch/>
+        </p:blipFill>
+        <p:spPr>
+          <a:xfrm>
+            <a:off x="938503" y="3645380"/>
+            <a:ext cx="6613321" cy="1702399"/>
+          </a:xfrm>
+          <a:prstGeom prst="rect">
+            <a:avLst/>
+          </a:prstGeom>
+        </p:spPr>
+      </p:pic>
+    </p:spTree>
+    <p:extLst>
+      <p:ext uri="{BB962C8B-B14F-4D97-AF65-F5344CB8AC3E}">
+        <p14:creationId xmlns:p14="http://schemas.microsoft.com/office/powerpoint/2010/main" val="488017342"/>
+      </p:ext>
+    </p:extLst>
+  </p:cSld>
+  <p:clrMapOvr>
+    <a:masterClrMapping/>
+  </p:clrMapOvr>
+  <p:timing>
+    <p:tnLst>
+      <p:par>
+        <p:cTn id="1" dur="indefinite" restart="never" nodeType="tmRoot"/>
+      </p:par>
+    </p:tnLst>
+  </p:timing>
+</p:sld>
+</file>
+
+<file path=ppt/slides/slide29.xml><?xml version="1.0" encoding="utf-8"?>
+<p:sld xmlns:a="http://schemas.openxmlformats.org/drawingml/2006/main" xmlns:r="http://schemas.openxmlformats.org/officeDocument/2006/relationships" xmlns:p="http://schemas.openxmlformats.org/presentationml/2006/main">
+  <p:cSld>
+    <p:spTree>
+      <p:nvGrpSpPr>
+        <p:cNvPr id="1" name=""/>
+        <p:cNvGrpSpPr/>
+        <p:nvPr/>
+      </p:nvGrpSpPr>
+      <p:grpSpPr>
+        <a:xfrm>
+          <a:off x="0" y="0"/>
+          <a:ext cx="0" cy="0"/>
+          <a:chOff x="0" y="0"/>
+          <a:chExt cx="0" cy="0"/>
+        </a:xfrm>
+      </p:grpSpPr>
+      <p:sp>
+        <p:nvSpPr>
+          <p:cNvPr id="2" name="Titel 1">
+            <a:extLst>
+              <a:ext uri="{FF2B5EF4-FFF2-40B4-BE49-F238E27FC236}">
+                <a16:creationId xmlns:a16="http://schemas.microsoft.com/office/drawing/2014/main" id="{B4ABB032-A2AF-BF78-993C-085D78DFBC1B}"/>
+              </a:ext>
+            </a:extLst>
+          </p:cNvPr>
+          <p:cNvSpPr>
+            <a:spLocks noGrp="1"/>
+          </p:cNvSpPr>
+          <p:nvPr>
+            <p:ph type="title"/>
+          </p:nvPr>
+        </p:nvSpPr>
+        <p:spPr>
+          <a:xfrm>
+            <a:off x="938502" y="230073"/>
+            <a:ext cx="9631625" cy="1371600"/>
+          </a:xfrm>
+        </p:spPr>
+        <p:txBody>
+          <a:bodyPr/>
+          <a:lstStyle/>
+          <a:p>
+            <a:r>
+              <a:rPr lang="de-AT" dirty="0"/>
+              <a:t>Übung zu Allgemeine Komponenten (20 min)</a:t>
+            </a:r>
+          </a:p>
+        </p:txBody>
+      </p:sp>
+      <p:sp>
+        <p:nvSpPr>
+          <p:cNvPr id="3" name="Inhaltsplatzhalter 2">
+            <a:extLst>
+              <a:ext uri="{FF2B5EF4-FFF2-40B4-BE49-F238E27FC236}">
+                <a16:creationId xmlns:a16="http://schemas.microsoft.com/office/drawing/2014/main" id="{E235725B-DAAC-F513-664A-299CBE2ABB80}"/>
+              </a:ext>
+            </a:extLst>
+          </p:cNvPr>
+          <p:cNvSpPr>
+            <a:spLocks noGrp="1"/>
+          </p:cNvSpPr>
+          <p:nvPr>
+            <p:ph idx="1"/>
+          </p:nvPr>
+        </p:nvSpPr>
+        <p:spPr>
+          <a:xfrm>
+            <a:off x="774553" y="1461080"/>
+            <a:ext cx="6207272" cy="4137259"/>
+          </a:xfrm>
+        </p:spPr>
+        <p:txBody>
+          <a:bodyPr>
+            <a:normAutofit/>
+          </a:bodyPr>
+          <a:lstStyle/>
+          <a:p>
+            <a:pPr algn="l">
+              <a:buFont typeface="Arial" panose="020B0604020202020204" pitchFamily="34" charset="0"/>
+              <a:buChar char="•"/>
+            </a:pPr>
+            <a:r>
+              <a:rPr lang="de-AT" sz="1600" dirty="0">
+                <a:solidFill>
+                  <a:srgbClr val="374151"/>
+                </a:solidFill>
+                <a:latin typeface="Montserrat" panose="00000500000000000000" pitchFamily="2" charset="0"/>
+              </a:rPr>
+              <a:t>Verwende zusätzliche Bootstrap Komponenten, um das Formular noch zu </a:t>
+            </a:r>
+            <a:r>
+              <a:rPr lang="de-AT" sz="1600" dirty="0" smtClean="0">
+                <a:solidFill>
+                  <a:srgbClr val="374151"/>
+                </a:solidFill>
+                <a:latin typeface="Montserrat" panose="00000500000000000000" pitchFamily="2" charset="0"/>
+              </a:rPr>
+              <a:t>erweitern</a:t>
+            </a:r>
+          </a:p>
+          <a:p>
+            <a:pPr marL="228600" lvl="2">
+              <a:spcBef>
+                <a:spcPts val="1000"/>
+              </a:spcBef>
+            </a:pPr>
+            <a:r>
+              <a:rPr lang="de-AT" sz="1600" dirty="0">
+                <a:solidFill>
+                  <a:srgbClr val="374151"/>
+                </a:solidFill>
+                <a:latin typeface="Montserrat" panose="00000500000000000000" pitchFamily="2" charset="0"/>
+              </a:rPr>
+              <a:t>Zurück-Button mit Funktion (</a:t>
+            </a:r>
+            <a:r>
+              <a:rPr lang="de-AT" sz="1600" dirty="0" err="1">
+                <a:solidFill>
+                  <a:srgbClr val="374151"/>
+                </a:solidFill>
+                <a:latin typeface="Montserrat" panose="00000500000000000000" pitchFamily="2" charset="0"/>
+              </a:rPr>
+              <a:t>Bsp</a:t>
+            </a:r>
+            <a:r>
+              <a:rPr lang="de-AT" sz="1600" dirty="0">
+                <a:solidFill>
+                  <a:srgbClr val="374151"/>
+                </a:solidFill>
+                <a:latin typeface="Montserrat" panose="00000500000000000000" pitchFamily="2" charset="0"/>
+              </a:rPr>
+              <a:t>: Einblenden eines </a:t>
+            </a:r>
+            <a:r>
+              <a:rPr lang="de-AT" sz="1600" dirty="0" err="1">
+                <a:solidFill>
+                  <a:srgbClr val="374151"/>
+                </a:solidFill>
+                <a:latin typeface="Montserrat" panose="00000500000000000000" pitchFamily="2" charset="0"/>
+              </a:rPr>
+              <a:t>Modals</a:t>
+            </a:r>
+            <a:r>
+              <a:rPr lang="de-AT" sz="1600" dirty="0">
+                <a:solidFill>
+                  <a:srgbClr val="374151"/>
+                </a:solidFill>
+                <a:latin typeface="Montserrat" panose="00000500000000000000" pitchFamily="2" charset="0"/>
+              </a:rPr>
+              <a:t>, eines </a:t>
+            </a:r>
+            <a:r>
+              <a:rPr lang="de-AT" sz="1600" dirty="0" err="1">
+                <a:solidFill>
+                  <a:srgbClr val="374151"/>
+                </a:solidFill>
+                <a:latin typeface="Montserrat" panose="00000500000000000000" pitchFamily="2" charset="0"/>
+              </a:rPr>
+              <a:t>Alerts</a:t>
+            </a:r>
+            <a:r>
+              <a:rPr lang="de-AT" sz="1600" dirty="0">
+                <a:solidFill>
+                  <a:srgbClr val="374151"/>
+                </a:solidFill>
+                <a:latin typeface="Montserrat" panose="00000500000000000000" pitchFamily="2" charset="0"/>
+              </a:rPr>
+              <a:t>, eines Toasters</a:t>
+            </a:r>
+            <a:r>
+              <a:rPr lang="de-AT" sz="1600" dirty="0" smtClean="0">
+                <a:solidFill>
+                  <a:srgbClr val="374151"/>
+                </a:solidFill>
+                <a:latin typeface="Montserrat" panose="00000500000000000000" pitchFamily="2" charset="0"/>
+              </a:rPr>
+              <a:t>,….)</a:t>
+            </a:r>
+            <a:endParaRPr lang="de-AT" sz="1800" dirty="0">
+              <a:solidFill>
+                <a:srgbClr val="374151"/>
+              </a:solidFill>
+              <a:latin typeface="Montserrat" panose="00000500000000000000" pitchFamily="2" charset="0"/>
+            </a:endParaRPr>
+          </a:p>
+          <a:p>
+            <a:pPr algn="l">
+              <a:buFont typeface="Arial" panose="020B0604020202020204" pitchFamily="34" charset="0"/>
+              <a:buChar char="•"/>
+            </a:pPr>
+            <a:r>
+              <a:rPr lang="de-AT" sz="1600" dirty="0">
+                <a:solidFill>
+                  <a:srgbClr val="374151"/>
+                </a:solidFill>
+                <a:latin typeface="Montserrat" panose="00000500000000000000" pitchFamily="2" charset="0"/>
+              </a:rPr>
+              <a:t>Optional:</a:t>
+            </a:r>
+          </a:p>
+          <a:p>
+            <a:pPr lvl="2"/>
+            <a:r>
+              <a:rPr lang="de-AT" dirty="0">
+                <a:solidFill>
+                  <a:srgbClr val="374151"/>
+                </a:solidFill>
+                <a:latin typeface="Montserrat" panose="00000500000000000000" pitchFamily="2" charset="0"/>
+              </a:rPr>
+              <a:t>Speichern mit Validierung der </a:t>
+            </a:r>
+            <a:r>
+              <a:rPr lang="de-AT" dirty="0" smtClean="0">
+                <a:solidFill>
+                  <a:srgbClr val="374151"/>
+                </a:solidFill>
+                <a:latin typeface="Montserrat" panose="00000500000000000000" pitchFamily="2" charset="0"/>
+              </a:rPr>
+              <a:t>Felder</a:t>
+            </a:r>
+            <a:endParaRPr lang="de-AT" sz="1600" b="0" i="0" dirty="0">
+              <a:solidFill>
+                <a:srgbClr val="374151"/>
+              </a:solidFill>
+              <a:effectLst/>
+              <a:latin typeface="Montserrat" panose="00000500000000000000" pitchFamily="2" charset="0"/>
+            </a:endParaRPr>
+          </a:p>
+          <a:p>
+            <a:pPr marL="0" indent="0" algn="l">
+              <a:buNone/>
+            </a:pPr>
+            <a:endParaRPr lang="de-AT" sz="1600" dirty="0">
+              <a:latin typeface="Montserrat" panose="00000500000000000000" pitchFamily="2" charset="0"/>
+            </a:endParaRPr>
+          </a:p>
+        </p:txBody>
+      </p:sp>
+      <p:pic>
+        <p:nvPicPr>
+          <p:cNvPr id="4" name="Grafik 3">
+            <a:extLst>
+              <a:ext uri="{FF2B5EF4-FFF2-40B4-BE49-F238E27FC236}">
+                <a16:creationId xmlns:a16="http://schemas.microsoft.com/office/drawing/2014/main" id="{54F8E91A-0332-C1E8-FD5E-4ACA2F6FE572}"/>
+              </a:ext>
+            </a:extLst>
+          </p:cNvPr>
+          <p:cNvPicPr>
+            <a:picLocks noChangeAspect="1"/>
+          </p:cNvPicPr>
+          <p:nvPr/>
+        </p:nvPicPr>
+        <p:blipFill>
+          <a:blip r:embed="rId2"/>
+          <a:stretch>
+            <a:fillRect/>
+          </a:stretch>
+        </p:blipFill>
+        <p:spPr>
+          <a:xfrm>
+            <a:off x="8786504" y="1514474"/>
+            <a:ext cx="2040625" cy="1807513"/>
+          </a:xfrm>
+          <a:prstGeom prst="rect">
+            <a:avLst/>
+          </a:prstGeom>
+        </p:spPr>
+      </p:pic>
+      <p:pic>
+        <p:nvPicPr>
+          <p:cNvPr id="6" name="Grafik 5" descr="Eine Glühlampe">
+            <a:extLst>
+              <a:ext uri="{FF2B5EF4-FFF2-40B4-BE49-F238E27FC236}">
+                <a16:creationId xmlns:a16="http://schemas.microsoft.com/office/drawing/2014/main" id="{82344569-B0D7-FD79-27C9-BC2095D9758C}"/>
+              </a:ext>
+            </a:extLst>
+          </p:cNvPr>
+          <p:cNvPicPr>
+            <a:picLocks noChangeAspect="1"/>
+          </p:cNvPicPr>
+          <p:nvPr/>
+        </p:nvPicPr>
+        <p:blipFill>
+          <a:blip r:embed="rId3" cstate="hqprint">
+            <a:extLst>
+              <a:ext uri="{28A0092B-C50C-407E-A947-70E740481C1C}">
+                <a14:useLocalDpi xmlns:a14="http://schemas.microsoft.com/office/drawing/2010/main" val="0"/>
+              </a:ext>
+              <a:ext uri="{96DAC541-7B7A-43D3-8B79-37D633B846F1}">
+                <asvg:svgBlip xmlns="" xmlns:asvg="http://schemas.microsoft.com/office/drawing/2016/SVG/main" r:embed="rId4"/>
+              </a:ext>
+            </a:extLst>
+          </a:blip>
+          <a:stretch>
+            <a:fillRect/>
+          </a:stretch>
+        </p:blipFill>
+        <p:spPr>
+          <a:xfrm>
             <a:off x="8196806" y="3218604"/>
             <a:ext cx="3220019" cy="3220019"/>
           </a:xfrm>
@@ -17385,51 +17389,6 @@
           </a:prstGeom>
         </p:spPr>
       </p:pic>
-      <p:sp>
-        <p:nvSpPr>
-          <p:cNvPr id="13" name="Textfeld 12">
-            <a:extLst>
-              <a:ext uri="{FF2B5EF4-FFF2-40B4-BE49-F238E27FC236}">
-                <a16:creationId xmlns:a16="http://schemas.microsoft.com/office/drawing/2014/main" id="{2DA6CCB3-F3F5-E2D2-9998-95B8682A05AE}"/>
-              </a:ext>
-            </a:extLst>
-          </p:cNvPr>
-          <p:cNvSpPr txBox="1"/>
-          <p:nvPr/>
-        </p:nvSpPr>
-        <p:spPr>
-          <a:xfrm>
-            <a:off x="871827" y="6335239"/>
-            <a:ext cx="9767597" cy="276999"/>
-          </a:xfrm>
-          <a:prstGeom prst="rect">
-            <a:avLst/>
-          </a:prstGeom>
-          <a:noFill/>
-        </p:spPr>
-        <p:txBody>
-          <a:bodyPr wrap="square" rtlCol="0">
-            <a:spAutoFit/>
-          </a:bodyPr>
-          <a:lstStyle/>
-          <a:p>
-            <a:r>
-              <a:rPr lang="de-AT" sz="1200" dirty="0"/>
-              <a:t>Beispiel: Fertige Registrierung </a:t>
-            </a:r>
-            <a:r>
-              <a:rPr lang="de-AT" sz="1200" dirty="0">
-                <a:hlinkClick r:id="rId5"/>
-              </a:rPr>
-              <a:t>https://8jp4d2.csb.app/finalRegistration.html</a:t>
-            </a:r>
-            <a:r>
-              <a:rPr lang="de-AT" sz="1200" dirty="0"/>
-              <a:t>  </a:t>
-            </a:r>
-          </a:p>
-        </p:txBody>
-      </p:sp>
       <p:pic>
         <p:nvPicPr>
           <p:cNvPr id="5" name="Grafik 4">
@@ -17445,14 +17404,14 @@
           <p:nvPr/>
         </p:nvPicPr>
         <p:blipFill>
-          <a:blip r:embed="rId6"/>
+          <a:blip r:embed="rId5"/>
           <a:stretch>
             <a:fillRect/>
           </a:stretch>
         </p:blipFill>
         <p:spPr>
           <a:xfrm>
-            <a:off x="938502" y="3544716"/>
+            <a:off x="938502" y="3790901"/>
             <a:ext cx="6613321" cy="2358957"/>
           </a:xfrm>
           <a:prstGeom prst="rect">
@@ -18522,47 +18481,6 @@
       </p:sp>
       <p:sp>
         <p:nvSpPr>
-          <p:cNvPr id="16" name="Textfeld 15">
-            <a:extLst>
-              <a:ext uri="{FF2B5EF4-FFF2-40B4-BE49-F238E27FC236}">
-                <a16:creationId xmlns:a16="http://schemas.microsoft.com/office/drawing/2014/main" id="{968D0BE2-668D-FF5F-5A5D-1992695D8F67}"/>
-              </a:ext>
-            </a:extLst>
-          </p:cNvPr>
-          <p:cNvSpPr txBox="1"/>
-          <p:nvPr/>
-        </p:nvSpPr>
-        <p:spPr>
-          <a:xfrm>
-            <a:off x="3847750" y="5792306"/>
-            <a:ext cx="4496500" cy="276999"/>
-          </a:xfrm>
-          <a:prstGeom prst="rect">
-            <a:avLst/>
-          </a:prstGeom>
-          <a:noFill/>
-        </p:spPr>
-        <p:txBody>
-          <a:bodyPr wrap="square" rtlCol="0">
-            <a:spAutoFit/>
-          </a:bodyPr>
-          <a:lstStyle/>
-          <a:p>
-            <a:r>
-              <a:rPr lang="de-AT" sz="1200" dirty="0">
-                <a:hlinkClick r:id="rId2"/>
-              </a:rPr>
-              <a:t>https://www.w3schools.com/quiztest/quiztest.php?qtest=BS5</a:t>
-            </a:r>
-            <a:r>
-              <a:rPr lang="de-AT" sz="1200" dirty="0"/>
-              <a:t>  </a:t>
-            </a:r>
-          </a:p>
-        </p:txBody>
-      </p:sp>
-      <p:sp>
-        <p:nvSpPr>
           <p:cNvPr id="11" name="Inhaltsplatzhalter 2">
             <a:extLst>
               <a:ext uri="{FF2B5EF4-FFF2-40B4-BE49-F238E27FC236}">
@@ -18767,30 +18685,14 @@
               <a:latin typeface="Montserrat" panose="00000500000000000000" pitchFamily="2" charset="0"/>
             </a:endParaRPr>
           </a:p>
-          <a:p>
-            <a:pPr lvl="1">
-              <a:lnSpc>
-                <a:spcPct val="150000"/>
-              </a:lnSpc>
-            </a:pPr>
-            <a:r>
-              <a:rPr lang="de-AT" dirty="0">
-                <a:solidFill>
-                  <a:srgbClr val="374151"/>
-                </a:solidFill>
-                <a:latin typeface="Montserrat" panose="00000500000000000000" pitchFamily="2" charset="0"/>
-              </a:rPr>
-              <a:t>Keine Fragen mehr? Dann stellt euer Wissen gleich unter Beweis im Bootstrap 5 Quiz</a:t>
-            </a:r>
-          </a:p>
         </p:txBody>
       </p:sp>
       <p:pic>
         <p:nvPicPr>
-          <p:cNvPr id="15" name="Grafik 14">
+          <p:cNvPr id="7" name="Grafik 6" descr="Eine Glühlampe">
             <a:extLst>
               <a:ext uri="{FF2B5EF4-FFF2-40B4-BE49-F238E27FC236}">
-                <a16:creationId xmlns:a16="http://schemas.microsoft.com/office/drawing/2014/main" id="{A41F6F1C-6BAF-74E2-0E26-D222A6AECD51}"/>
+                <a16:creationId xmlns:a16="http://schemas.microsoft.com/office/drawing/2014/main" id="{82344569-B0D7-FD79-27C9-BC2095D9758C}"/>
               </a:ext>
             </a:extLst>
           </p:cNvPr>
@@ -18800,15 +18702,24 @@
           <p:nvPr/>
         </p:nvPicPr>
         <p:blipFill>
-          <a:blip r:embed="rId3"/>
+          <a:blip r:embed="rId2" cstate="hqprint">
+            <a:extLst>
+              <a:ext uri="{28A0092B-C50C-407E-A947-70E740481C1C}">
+                <a14:useLocalDpi xmlns:a14="http://schemas.microsoft.com/office/drawing/2010/main" val="0"/>
+              </a:ext>
+              <a:ext uri="{96DAC541-7B7A-43D3-8B79-37D633B846F1}">
+                <asvg:svgBlip xmlns="" xmlns:asvg="http://schemas.microsoft.com/office/drawing/2016/SVG/main" r:embed="rId4"/>
+              </a:ext>
+            </a:extLst>
+          </a:blip>
           <a:stretch>
             <a:fillRect/>
           </a:stretch>
         </p:blipFill>
         <p:spPr>
           <a:xfrm>
-            <a:off x="4789346" y="2951807"/>
-            <a:ext cx="2613308" cy="2613308"/>
+            <a:off x="4263446" y="1946653"/>
+            <a:ext cx="4314985" cy="4314985"/>
           </a:xfrm>
           <a:prstGeom prst="rect">
             <a:avLst/>
@@ -18894,120 +18805,6 @@
                       </p:childTnLst>
                     </p:cTn>
                   </p:par>
-                  <p:par>
-                    <p:cTn id="8" fill="hold">
-                      <p:stCondLst>
-                        <p:cond delay="indefinite"/>
-                      </p:stCondLst>
-                      <p:childTnLst>
-                        <p:par>
-                          <p:cTn id="9" fill="hold">
-                            <p:stCondLst>
-                              <p:cond delay="0"/>
-                            </p:stCondLst>
-                            <p:childTnLst>
-                              <p:par>
-                                <p:cTn id="10" presetID="10" presetClass="entr" presetSubtype="0" fill="hold" grpId="0" nodeType="clickEffect">
-                                  <p:stCondLst>
-                                    <p:cond delay="0"/>
-                                  </p:stCondLst>
-                                  <p:childTnLst>
-                                    <p:set>
-                                      <p:cBhvr>
-                                        <p:cTn id="11" dur="1" fill="hold">
-                                          <p:stCondLst>
-                                            <p:cond delay="0"/>
-                                          </p:stCondLst>
-                                        </p:cTn>
-                                        <p:tgtEl>
-                                          <p:spTgt spid="11">
-                                            <p:txEl>
-                                              <p:pRg st="1" end="1"/>
-                                            </p:txEl>
-                                          </p:spTgt>
-                                        </p:tgtEl>
-                                        <p:attrNameLst>
-                                          <p:attrName>style.visibility</p:attrName>
-                                        </p:attrNameLst>
-                                      </p:cBhvr>
-                                      <p:to>
-                                        <p:strVal val="visible"/>
-                                      </p:to>
-                                    </p:set>
-                                    <p:animEffect transition="in" filter="fade">
-                                      <p:cBhvr>
-                                        <p:cTn id="12" dur="500"/>
-                                        <p:tgtEl>
-                                          <p:spTgt spid="11">
-                                            <p:txEl>
-                                              <p:pRg st="1" end="1"/>
-                                            </p:txEl>
-                                          </p:spTgt>
-                                        </p:tgtEl>
-                                      </p:cBhvr>
-                                    </p:animEffect>
-                                  </p:childTnLst>
-                                </p:cTn>
-                              </p:par>
-                            </p:childTnLst>
-                          </p:cTn>
-                        </p:par>
-                      </p:childTnLst>
-                    </p:cTn>
-                  </p:par>
-                  <p:par>
-                    <p:cTn id="13" fill="hold">
-                      <p:stCondLst>
-                        <p:cond delay="indefinite"/>
-                      </p:stCondLst>
-                      <p:childTnLst>
-                        <p:par>
-                          <p:cTn id="14" fill="hold">
-                            <p:stCondLst>
-                              <p:cond delay="0"/>
-                            </p:stCondLst>
-                            <p:childTnLst>
-                              <p:par>
-                                <p:cTn id="15" presetID="10" presetClass="entr" presetSubtype="0" fill="hold" grpId="0" nodeType="clickEffect">
-                                  <p:stCondLst>
-                                    <p:cond delay="0"/>
-                                  </p:stCondLst>
-                                  <p:childTnLst>
-                                    <p:set>
-                                      <p:cBhvr>
-                                        <p:cTn id="16" dur="1" fill="hold">
-                                          <p:stCondLst>
-                                            <p:cond delay="0"/>
-                                          </p:stCondLst>
-                                        </p:cTn>
-                                        <p:tgtEl>
-                                          <p:spTgt spid="16"/>
-                                        </p:tgtEl>
-                                        <p:attrNameLst>
-                                          <p:attrName>style.visibility</p:attrName>
-                                        </p:attrNameLst>
-                                      </p:cBhvr>
-                                      <p:to>
-                                        <p:strVal val="visible"/>
-                                      </p:to>
-                                    </p:set>
-                                    <p:animEffect transition="in" filter="fade">
-                                      <p:cBhvr>
-                                        <p:cTn id="17" dur="500"/>
-                                        <p:tgtEl>
-                                          <p:spTgt spid="16"/>
-                                        </p:tgtEl>
-                                      </p:cBhvr>
-                                    </p:animEffect>
-                                  </p:childTnLst>
-                                </p:cTn>
-                              </p:par>
-                            </p:childTnLst>
-                          </p:cTn>
-                        </p:par>
-                      </p:childTnLst>
-                    </p:cTn>
-                  </p:par>
                 </p:childTnLst>
               </p:cTn>
               <p:prevCondLst>
@@ -19031,8 +18828,6 @@
     </p:tnLst>
     <p:bldLst>
       <p:bldP spid="3" grpId="0" build="p"/>
-      <p:bldP spid="16" grpId="0"/>
-      <p:bldP spid="11" grpId="0" build="p"/>
     </p:bldLst>
   </p:timing>
 </p:sld>
